--- a/E-Przychodnia.pptx
+++ b/E-Przychodnia.pptx
@@ -292,7 +292,7 @@
           <a:p>
             <a:fld id="{09863170-3362-B14E-8EA2-0563A672AF7D}" type="datetimeFigureOut">
               <a:rPr lang="en-US" smtClean="0"/>
-              <a:t>2/11/25</a:t>
+              <a:t>2/12/25</a:t>
             </a:fld>
             <a:endParaRPr lang="en-US"/>
           </a:p>
@@ -622,7 +622,7 @@
           <a:p>
             <a:fld id="{09863170-3362-B14E-8EA2-0563A672AF7D}" type="datetimeFigureOut">
               <a:rPr lang="en-US" smtClean="0"/>
-              <a:t>2/11/25</a:t>
+              <a:t>2/12/25</a:t>
             </a:fld>
             <a:endParaRPr lang="en-US"/>
           </a:p>
@@ -802,7 +802,7 @@
           <a:p>
             <a:fld id="{09863170-3362-B14E-8EA2-0563A672AF7D}" type="datetimeFigureOut">
               <a:rPr lang="en-US" smtClean="0"/>
-              <a:t>2/11/25</a:t>
+              <a:t>2/12/25</a:t>
             </a:fld>
             <a:endParaRPr lang="en-US"/>
           </a:p>
@@ -972,7 +972,7 @@
           <a:p>
             <a:fld id="{09863170-3362-B14E-8EA2-0563A672AF7D}" type="datetimeFigureOut">
               <a:rPr lang="en-US" smtClean="0"/>
-              <a:t>2/11/25</a:t>
+              <a:t>2/12/25</a:t>
             </a:fld>
             <a:endParaRPr lang="en-US"/>
           </a:p>
@@ -1249,7 +1249,7 @@
           <a:p>
             <a:fld id="{09863170-3362-B14E-8EA2-0563A672AF7D}" type="datetimeFigureOut">
               <a:rPr lang="en-US" smtClean="0"/>
-              <a:t>2/11/25</a:t>
+              <a:t>2/12/25</a:t>
             </a:fld>
             <a:endParaRPr lang="en-US"/>
           </a:p>
@@ -1643,7 +1643,7 @@
           <a:p>
             <a:fld id="{09863170-3362-B14E-8EA2-0563A672AF7D}" type="datetimeFigureOut">
               <a:rPr lang="en-US" smtClean="0"/>
-              <a:t>2/11/25</a:t>
+              <a:t>2/12/25</a:t>
             </a:fld>
             <a:endParaRPr lang="en-US"/>
           </a:p>
@@ -2120,7 +2120,7 @@
           <a:p>
             <a:fld id="{09863170-3362-B14E-8EA2-0563A672AF7D}" type="datetimeFigureOut">
               <a:rPr lang="en-US" smtClean="0"/>
-              <a:t>2/11/25</a:t>
+              <a:t>2/12/25</a:t>
             </a:fld>
             <a:endParaRPr lang="en-US"/>
           </a:p>
@@ -2238,7 +2238,7 @@
           <a:p>
             <a:fld id="{09863170-3362-B14E-8EA2-0563A672AF7D}" type="datetimeFigureOut">
               <a:rPr lang="en-US" smtClean="0"/>
-              <a:t>2/11/25</a:t>
+              <a:t>2/12/25</a:t>
             </a:fld>
             <a:endParaRPr lang="en-US"/>
           </a:p>
@@ -2333,7 +2333,7 @@
           <a:p>
             <a:fld id="{09863170-3362-B14E-8EA2-0563A672AF7D}" type="datetimeFigureOut">
               <a:rPr lang="en-US" smtClean="0"/>
-              <a:t>2/11/25</a:t>
+              <a:t>2/12/25</a:t>
             </a:fld>
             <a:endParaRPr lang="en-US"/>
           </a:p>
@@ -2679,7 +2679,7 @@
           <a:p>
             <a:fld id="{09863170-3362-B14E-8EA2-0563A672AF7D}" type="datetimeFigureOut">
               <a:rPr lang="en-US" smtClean="0"/>
-              <a:t>2/11/25</a:t>
+              <a:t>2/12/25</a:t>
             </a:fld>
             <a:endParaRPr lang="en-US"/>
           </a:p>
@@ -3067,7 +3067,7 @@
           <a:p>
             <a:fld id="{09863170-3362-B14E-8EA2-0563A672AF7D}" type="datetimeFigureOut">
               <a:rPr lang="en-US" smtClean="0"/>
-              <a:t>2/11/25</a:t>
+              <a:t>2/12/25</a:t>
             </a:fld>
             <a:endParaRPr lang="en-US"/>
           </a:p>
@@ -3345,7 +3345,7 @@
           <a:p>
             <a:fld id="{09863170-3362-B14E-8EA2-0563A672AF7D}" type="datetimeFigureOut">
               <a:rPr lang="en-US" smtClean="0"/>
-              <a:t>2/11/25</a:t>
+              <a:t>2/12/25</a:t>
             </a:fld>
             <a:endParaRPr lang="en-US"/>
           </a:p>
@@ -3873,7 +3873,12 @@
             <p:ph type="ctrTitle"/>
           </p:nvPr>
         </p:nvSpPr>
-        <p:spPr/>
+        <p:spPr>
+          <a:xfrm>
+            <a:off x="537590" y="1852608"/>
+            <a:ext cx="8361229" cy="2098226"/>
+          </a:xfrm>
+        </p:spPr>
         <p:txBody>
           <a:bodyPr/>
           <a:lstStyle/>
@@ -3917,7 +3922,12 @@
             <p:ph type="subTitle" idx="1"/>
           </p:nvPr>
         </p:nvSpPr>
-        <p:spPr/>
+        <p:spPr>
+          <a:xfrm>
+            <a:off x="1302367" y="3950834"/>
+            <a:ext cx="6831673" cy="1086237"/>
+          </a:xfrm>
+        </p:spPr>
         <p:txBody>
           <a:bodyPr>
             <a:normAutofit fontScale="85000" lnSpcReduction="10000"/>
@@ -4015,6 +4025,42 @@
           </a:p>
         </p:txBody>
       </p:sp>
+      <p:pic>
+        <p:nvPicPr>
+          <p:cNvPr id="5" name="Picture 4" descr="A logo on a square black surface&#10;&#10;AI-generated content may be incorrect.">
+            <a:extLst>
+              <a:ext uri="{FF2B5EF4-FFF2-40B4-BE49-F238E27FC236}">
+                <a16:creationId xmlns:a16="http://schemas.microsoft.com/office/drawing/2014/main" id="{4CBC4C1F-7CC6-0380-9E75-519D0C0882E4}"/>
+              </a:ext>
+            </a:extLst>
+          </p:cNvPr>
+          <p:cNvPicPr>
+            <a:picLocks noChangeAspect="1"/>
+          </p:cNvPicPr>
+          <p:nvPr/>
+        </p:nvPicPr>
+        <p:blipFill>
+          <a:blip r:embed="rId2"/>
+          <a:stretch>
+            <a:fillRect/>
+          </a:stretch>
+        </p:blipFill>
+        <p:spPr>
+          <a:xfrm>
+            <a:off x="7952527" y="1371568"/>
+            <a:ext cx="2937106" cy="2783170"/>
+          </a:xfrm>
+          <a:prstGeom prst="rect">
+            <a:avLst/>
+          </a:prstGeom>
+          <a:ln>
+            <a:noFill/>
+          </a:ln>
+          <a:effectLst>
+            <a:softEdge rad="112500"/>
+          </a:effectLst>
+        </p:spPr>
+      </p:pic>
     </p:spTree>
     <p:extLst>
       <p:ext uri="{BB962C8B-B14F-4D97-AF65-F5344CB8AC3E}">
